--- a/PPT/2011180047_정택수_2차발표.pptx
+++ b/PPT/2011180047_정택수_2차발표.pptx
@@ -5309,7 +5309,7 @@
           <p:nvPr>
             <p:extLst>
               <p:ext uri="{D42A27DB-BD31-4B8C-83A1-F6EECF244321}">
-                <p14:modId xmlns:p14="http://schemas.microsoft.com/office/powerpoint/2010/main" val="2113274436"/>
+                <p14:modId xmlns:p14="http://schemas.microsoft.com/office/powerpoint/2010/main" val="869774858"/>
               </p:ext>
             </p:extLst>
           </p:nvPr>
@@ -6066,7 +6066,7 @@
                           <a:latin typeface="아리따-돋움(TTF)-Bold" pitchFamily="18" charset="-127"/>
                           <a:ea typeface="아리따-돋움(TTF)-Bold" pitchFamily="18" charset="-127"/>
                         </a:rPr>
-                        <a:t>(50%), </a:t>
+                        <a:t>(75%), </a:t>
                       </a:r>
                       <a:r>
                         <a:rPr lang="ko-KR" altLang="en-US" sz="1100" dirty="0" smtClean="0">
